--- a/Images/EnsembleFramework.pptx
+++ b/Images/EnsembleFramework.pptx
@@ -259,7 +259,7 @@
           <a:p>
             <a:fld id="{1C24856A-A816-4944-9CF1-0FCAF3DD1C20}" type="datetimeFigureOut">
               <a:rPr lang="en-US" smtClean="0"/>
-              <a:t>11/23/20</a:t>
+              <a:t>1/18/21</a:t>
             </a:fld>
             <a:endParaRPr lang="en-US"/>
           </a:p>
@@ -457,7 +457,7 @@
           <a:p>
             <a:fld id="{1C24856A-A816-4944-9CF1-0FCAF3DD1C20}" type="datetimeFigureOut">
               <a:rPr lang="en-US" smtClean="0"/>
-              <a:t>11/23/20</a:t>
+              <a:t>1/18/21</a:t>
             </a:fld>
             <a:endParaRPr lang="en-US"/>
           </a:p>
@@ -665,7 +665,7 @@
           <a:p>
             <a:fld id="{1C24856A-A816-4944-9CF1-0FCAF3DD1C20}" type="datetimeFigureOut">
               <a:rPr lang="en-US" smtClean="0"/>
-              <a:t>11/23/20</a:t>
+              <a:t>1/18/21</a:t>
             </a:fld>
             <a:endParaRPr lang="en-US"/>
           </a:p>
@@ -863,7 +863,7 @@
           <a:p>
             <a:fld id="{1C24856A-A816-4944-9CF1-0FCAF3DD1C20}" type="datetimeFigureOut">
               <a:rPr lang="en-US" smtClean="0"/>
-              <a:t>11/23/20</a:t>
+              <a:t>1/18/21</a:t>
             </a:fld>
             <a:endParaRPr lang="en-US"/>
           </a:p>
@@ -1138,7 +1138,7 @@
           <a:p>
             <a:fld id="{1C24856A-A816-4944-9CF1-0FCAF3DD1C20}" type="datetimeFigureOut">
               <a:rPr lang="en-US" smtClean="0"/>
-              <a:t>11/23/20</a:t>
+              <a:t>1/18/21</a:t>
             </a:fld>
             <a:endParaRPr lang="en-US"/>
           </a:p>
@@ -1403,7 +1403,7 @@
           <a:p>
             <a:fld id="{1C24856A-A816-4944-9CF1-0FCAF3DD1C20}" type="datetimeFigureOut">
               <a:rPr lang="en-US" smtClean="0"/>
-              <a:t>11/23/20</a:t>
+              <a:t>1/18/21</a:t>
             </a:fld>
             <a:endParaRPr lang="en-US"/>
           </a:p>
@@ -1815,7 +1815,7 @@
           <a:p>
             <a:fld id="{1C24856A-A816-4944-9CF1-0FCAF3DD1C20}" type="datetimeFigureOut">
               <a:rPr lang="en-US" smtClean="0"/>
-              <a:t>11/23/20</a:t>
+              <a:t>1/18/21</a:t>
             </a:fld>
             <a:endParaRPr lang="en-US"/>
           </a:p>
@@ -1956,7 +1956,7 @@
           <a:p>
             <a:fld id="{1C24856A-A816-4944-9CF1-0FCAF3DD1C20}" type="datetimeFigureOut">
               <a:rPr lang="en-US" smtClean="0"/>
-              <a:t>11/23/20</a:t>
+              <a:t>1/18/21</a:t>
             </a:fld>
             <a:endParaRPr lang="en-US"/>
           </a:p>
@@ -2069,7 +2069,7 @@
           <a:p>
             <a:fld id="{1C24856A-A816-4944-9CF1-0FCAF3DD1C20}" type="datetimeFigureOut">
               <a:rPr lang="en-US" smtClean="0"/>
-              <a:t>11/23/20</a:t>
+              <a:t>1/18/21</a:t>
             </a:fld>
             <a:endParaRPr lang="en-US"/>
           </a:p>
@@ -2380,7 +2380,7 @@
           <a:p>
             <a:fld id="{1C24856A-A816-4944-9CF1-0FCAF3DD1C20}" type="datetimeFigureOut">
               <a:rPr lang="en-US" smtClean="0"/>
-              <a:t>11/23/20</a:t>
+              <a:t>1/18/21</a:t>
             </a:fld>
             <a:endParaRPr lang="en-US"/>
           </a:p>
@@ -2668,7 +2668,7 @@
           <a:p>
             <a:fld id="{1C24856A-A816-4944-9CF1-0FCAF3DD1C20}" type="datetimeFigureOut">
               <a:rPr lang="en-US" smtClean="0"/>
-              <a:t>11/23/20</a:t>
+              <a:t>1/18/21</a:t>
             </a:fld>
             <a:endParaRPr lang="en-US"/>
           </a:p>
@@ -2909,7 +2909,7 @@
           <a:p>
             <a:fld id="{1C24856A-A816-4944-9CF1-0FCAF3DD1C20}" type="datetimeFigureOut">
               <a:rPr lang="en-US" smtClean="0"/>
-              <a:t>11/23/20</a:t>
+              <a:t>1/18/21</a:t>
             </a:fld>
             <a:endParaRPr lang="en-US"/>
           </a:p>
@@ -3446,10 +3446,10 @@
           </p:nvGrpSpPr>
           <p:grpSpPr>
             <a:xfrm>
-              <a:off x="161386" y="553647"/>
-              <a:ext cx="11907328" cy="4912562"/>
-              <a:chOff x="142336" y="550392"/>
-              <a:chExt cx="11907328" cy="4912562"/>
+              <a:off x="161386" y="553167"/>
+              <a:ext cx="11907328" cy="4737189"/>
+              <a:chOff x="142336" y="549912"/>
+              <a:chExt cx="11907328" cy="4737189"/>
             </a:xfrm>
           </p:grpSpPr>
           <p:sp>
@@ -3466,8 +3466,8 @@
             </p:nvSpPr>
             <p:spPr>
               <a:xfrm>
-                <a:off x="2730150" y="550392"/>
-                <a:ext cx="1368503" cy="870656"/>
+                <a:off x="2700897" y="549912"/>
+                <a:ext cx="1368503" cy="1071694"/>
               </a:xfrm>
               <a:prstGeom prst="roundRect">
                 <a:avLst/>
@@ -3496,56 +3496,7 @@
                 <a:pPr algn="ctr"/>
                 <a:r>
                   <a:rPr lang="en-US" dirty="0"/>
-                  <a:t>Positional Feature Builder</a:t>
-                </a:r>
-              </a:p>
-            </p:txBody>
-          </p:sp>
-          <p:sp>
-            <p:nvSpPr>
-              <p:cNvPr id="29" name="Rounded Rectangle 28">
-                <a:extLst>
-                  <a:ext uri="{FF2B5EF4-FFF2-40B4-BE49-F238E27FC236}">
-                    <a16:creationId xmlns:a16="http://schemas.microsoft.com/office/drawing/2014/main" id="{6A1C6DCE-5D61-EA48-BCFE-FA9B0940523E}"/>
-                  </a:ext>
-                </a:extLst>
-              </p:cNvPr>
-              <p:cNvSpPr/>
-              <p:nvPr/>
-            </p:nvSpPr>
-            <p:spPr>
-              <a:xfrm>
-                <a:off x="2730150" y="4337537"/>
-                <a:ext cx="1368503" cy="1125417"/>
-              </a:xfrm>
-              <a:prstGeom prst="roundRect">
-                <a:avLst/>
-              </a:prstGeom>
-            </p:spPr>
-            <p:style>
-              <a:lnRef idx="2">
-                <a:schemeClr val="accent2">
-                  <a:shade val="50000"/>
-                </a:schemeClr>
-              </a:lnRef>
-              <a:fillRef idx="1">
-                <a:schemeClr val="accent2"/>
-              </a:fillRef>
-              <a:effectRef idx="0">
-                <a:schemeClr val="accent2"/>
-              </a:effectRef>
-              <a:fontRef idx="minor">
-                <a:schemeClr val="lt1"/>
-              </a:fontRef>
-            </p:style>
-            <p:txBody>
-              <a:bodyPr rtlCol="0" anchor="ctr"/>
-              <a:lstStyle/>
-              <a:p>
-                <a:pPr algn="ctr"/>
-                <a:r>
-                  <a:rPr lang="en-US" dirty="0"/>
-                  <a:t>GAA-encoded Motif Builder</a:t>
+                  <a:t>Feature Extraction Technique 1</a:t>
                 </a:r>
               </a:p>
             </p:txBody>
@@ -3993,55 +3944,6 @@
           </p:sp>
           <p:sp>
             <p:nvSpPr>
-              <p:cNvPr id="41" name="Rounded Rectangle 40">
-                <a:extLst>
-                  <a:ext uri="{FF2B5EF4-FFF2-40B4-BE49-F238E27FC236}">
-                    <a16:creationId xmlns:a16="http://schemas.microsoft.com/office/drawing/2014/main" id="{C088984D-8CB5-0B45-95CF-245585F0F97F}"/>
-                  </a:ext>
-                </a:extLst>
-              </p:cNvPr>
-              <p:cNvSpPr/>
-              <p:nvPr/>
-            </p:nvSpPr>
-            <p:spPr>
-              <a:xfrm>
-                <a:off x="2730150" y="2595597"/>
-                <a:ext cx="1368503" cy="773723"/>
-              </a:xfrm>
-              <a:prstGeom prst="roundRect">
-                <a:avLst/>
-              </a:prstGeom>
-            </p:spPr>
-            <p:style>
-              <a:lnRef idx="2">
-                <a:schemeClr val="accent2">
-                  <a:shade val="50000"/>
-                </a:schemeClr>
-              </a:lnRef>
-              <a:fillRef idx="1">
-                <a:schemeClr val="accent2"/>
-              </a:fillRef>
-              <a:effectRef idx="0">
-                <a:schemeClr val="accent2"/>
-              </a:effectRef>
-              <a:fontRef idx="minor">
-                <a:schemeClr val="lt1"/>
-              </a:fontRef>
-            </p:style>
-            <p:txBody>
-              <a:bodyPr rtlCol="0" anchor="ctr"/>
-              <a:lstStyle/>
-              <a:p>
-                <a:pPr algn="ctr"/>
-                <a:r>
-                  <a:rPr lang="en-US" dirty="0"/>
-                  <a:t>kmer Motif Builder</a:t>
-                </a:r>
-              </a:p>
-            </p:txBody>
-          </p:sp>
-          <p:sp>
-            <p:nvSpPr>
               <p:cNvPr id="42" name="Oval 41">
                 <a:extLst>
                   <a:ext uri="{FF2B5EF4-FFF2-40B4-BE49-F238E27FC236}">
@@ -4385,6 +4287,104 @@
           </p:sp>
         </p:grpSp>
       </p:grpSp>
+      <p:sp>
+        <p:nvSpPr>
+          <p:cNvPr id="26" name="Rounded Rectangle 25">
+            <a:extLst>
+              <a:ext uri="{FF2B5EF4-FFF2-40B4-BE49-F238E27FC236}">
+                <a16:creationId xmlns:a16="http://schemas.microsoft.com/office/drawing/2014/main" id="{496A521A-0000-1749-9A6B-E8064BDFB491}"/>
+              </a:ext>
+            </a:extLst>
+          </p:cNvPr>
+          <p:cNvSpPr/>
+          <p:nvPr/>
+        </p:nvSpPr>
+        <p:spPr>
+          <a:xfrm>
+            <a:off x="2719948" y="2447219"/>
+            <a:ext cx="1368503" cy="1071694"/>
+          </a:xfrm>
+          <a:prstGeom prst="roundRect">
+            <a:avLst/>
+          </a:prstGeom>
+        </p:spPr>
+        <p:style>
+          <a:lnRef idx="2">
+            <a:schemeClr val="accent2">
+              <a:shade val="50000"/>
+            </a:schemeClr>
+          </a:lnRef>
+          <a:fillRef idx="1">
+            <a:schemeClr val="accent2"/>
+          </a:fillRef>
+          <a:effectRef idx="0">
+            <a:schemeClr val="accent2"/>
+          </a:effectRef>
+          <a:fontRef idx="minor">
+            <a:schemeClr val="lt1"/>
+          </a:fontRef>
+        </p:style>
+        <p:txBody>
+          <a:bodyPr rtlCol="0" anchor="ctr"/>
+          <a:lstStyle/>
+          <a:p>
+            <a:pPr algn="ctr"/>
+            <a:r>
+              <a:rPr lang="en-US" dirty="0"/>
+              <a:t>Feature Extraction Technique 2</a:t>
+            </a:r>
+          </a:p>
+        </p:txBody>
+      </p:sp>
+      <p:sp>
+        <p:nvSpPr>
+          <p:cNvPr id="30" name="Rounded Rectangle 29">
+            <a:extLst>
+              <a:ext uri="{FF2B5EF4-FFF2-40B4-BE49-F238E27FC236}">
+                <a16:creationId xmlns:a16="http://schemas.microsoft.com/office/drawing/2014/main" id="{D02D128B-856A-1246-BA63-E8B6C0754268}"/>
+              </a:ext>
+            </a:extLst>
+          </p:cNvPr>
+          <p:cNvSpPr/>
+          <p:nvPr/>
+        </p:nvSpPr>
+        <p:spPr>
+          <a:xfrm>
+            <a:off x="2720537" y="4344047"/>
+            <a:ext cx="1368503" cy="1071694"/>
+          </a:xfrm>
+          <a:prstGeom prst="roundRect">
+            <a:avLst/>
+          </a:prstGeom>
+        </p:spPr>
+        <p:style>
+          <a:lnRef idx="2">
+            <a:schemeClr val="accent2">
+              <a:shade val="50000"/>
+            </a:schemeClr>
+          </a:lnRef>
+          <a:fillRef idx="1">
+            <a:schemeClr val="accent2"/>
+          </a:fillRef>
+          <a:effectRef idx="0">
+            <a:schemeClr val="accent2"/>
+          </a:effectRef>
+          <a:fontRef idx="minor">
+            <a:schemeClr val="lt1"/>
+          </a:fontRef>
+        </p:style>
+        <p:txBody>
+          <a:bodyPr rtlCol="0" anchor="ctr"/>
+          <a:lstStyle/>
+          <a:p>
+            <a:pPr algn="ctr"/>
+            <a:r>
+              <a:rPr lang="en-US" dirty="0"/>
+              <a:t>Feature Extraction Technique 3</a:t>
+            </a:r>
+          </a:p>
+        </p:txBody>
+      </p:sp>
     </p:spTree>
     <p:extLst>
       <p:ext uri="{BB962C8B-B14F-4D97-AF65-F5344CB8AC3E}">
